--- a/Logo/logo.pptx
+++ b/Logo/logo.pptx
@@ -3361,10 +3361,10 @@
         </p:nvGrpSpPr>
         <p:grpSpPr>
           <a:xfrm>
-            <a:off x="2206010" y="871850"/>
-            <a:ext cx="5426439" cy="5451104"/>
-            <a:chOff x="1858781" y="824459"/>
-            <a:chExt cx="5426439" cy="5451104"/>
+            <a:off x="1544359" y="111417"/>
+            <a:ext cx="5760001" cy="6028395"/>
+            <a:chOff x="1097236" y="431909"/>
+            <a:chExt cx="6120002" cy="6728478"/>
           </a:xfrm>
         </p:grpSpPr>
         <p:grpSp>
@@ -3381,10 +3381,10 @@
           </p:nvGrpSpPr>
           <p:grpSpPr>
             <a:xfrm>
-              <a:off x="1858781" y="824459"/>
-              <a:ext cx="5426439" cy="5451104"/>
-              <a:chOff x="1858781" y="824459"/>
-              <a:chExt cx="5426439" cy="5451104"/>
+              <a:off x="1097236" y="431909"/>
+              <a:ext cx="6120002" cy="6728477"/>
+              <a:chOff x="1097236" y="431909"/>
+              <a:chExt cx="6120002" cy="6728477"/>
             </a:xfrm>
           </p:grpSpPr>
           <p:grpSp>
@@ -3401,10 +3401,10 @@
             </p:nvGrpSpPr>
             <p:grpSpPr>
               <a:xfrm>
-                <a:off x="1858781" y="824459"/>
-                <a:ext cx="5426439" cy="5451104"/>
-                <a:chOff x="1858781" y="824459"/>
-                <a:chExt cx="3297835" cy="3312825"/>
+                <a:off x="1097236" y="431909"/>
+                <a:ext cx="6120002" cy="6728477"/>
+                <a:chOff x="1395964" y="585893"/>
+                <a:chExt cx="3719337" cy="4089127"/>
               </a:xfrm>
             </p:grpSpPr>
             <p:sp>
@@ -3421,21 +3421,17 @@
               </p:nvSpPr>
               <p:spPr>
                 <a:xfrm>
-                  <a:off x="1858781" y="824459"/>
-                  <a:ext cx="3297835" cy="3312825"/>
+                  <a:off x="1395964" y="737496"/>
+                  <a:ext cx="3719337" cy="3907073"/>
                 </a:xfrm>
                 <a:prstGeom prst="roundRect">
                   <a:avLst/>
                 </a:prstGeom>
                 <a:solidFill>
-                  <a:schemeClr val="accent1"/>
+                  <a:schemeClr val="accent5"/>
                 </a:solidFill>
-                <a:ln w="9525" cap="flat" cmpd="sng" algn="ctr">
+                <a:ln>
                   <a:noFill/>
-                  <a:prstDash val="solid"/>
-                  <a:round/>
-                  <a:headEnd type="none" w="med" len="med"/>
-                  <a:tailEnd type="none" w="med" len="med"/>
                 </a:ln>
               </p:spPr>
               <p:style>
@@ -3449,7 +3445,7 @@
                   <a:scrgbClr r="0" g="0" b="0"/>
                 </a:effectRef>
                 <a:fontRef idx="minor">
-                  <a:schemeClr val="accent1"/>
+                  <a:schemeClr val="lt1"/>
                 </a:fontRef>
               </p:style>
               <p:txBody>
@@ -3457,7 +3453,7 @@
                 <a:lstStyle/>
                 <a:p>
                   <a:pPr algn="ctr"/>
-                  <a:endParaRPr kumimoji="1" lang="ja-JP" altLang="en-US"/>
+                  <a:endParaRPr kumimoji="1" lang="ja-JP" altLang="en-US" dirty="0"/>
                 </a:p>
               </p:txBody>
             </p:sp>
@@ -3475,8 +3471,8 @@
               </p:nvSpPr>
               <p:spPr>
                 <a:xfrm>
-                  <a:off x="2481942" y="1469037"/>
-                  <a:ext cx="2000117" cy="1959964"/>
+                  <a:off x="2481942" y="1350917"/>
+                  <a:ext cx="2000117" cy="2078084"/>
                 </a:xfrm>
                 <a:prstGeom prst="ellipse">
                   <a:avLst/>
@@ -3529,12 +3525,12 @@
               </p:nvSpPr>
               <p:spPr>
                 <a:xfrm>
-                  <a:off x="2208219" y="2407328"/>
-                  <a:ext cx="511144" cy="1302994"/>
+                  <a:off x="2195292" y="2407328"/>
+                  <a:ext cx="524070" cy="2267692"/>
                 </a:xfrm>
                 <a:prstGeom prst="roundRect">
                   <a:avLst>
-                    <a:gd name="adj" fmla="val 8746"/>
+                    <a:gd name="adj" fmla="val 0"/>
                   </a:avLst>
                 </a:prstGeom>
                 <a:solidFill>
@@ -3637,8 +3633,8 @@
               </p:nvSpPr>
               <p:spPr>
                 <a:xfrm rot="2422212">
-                  <a:off x="3753352" y="979375"/>
-                  <a:ext cx="530463" cy="2086635"/>
+                  <a:off x="3896880" y="585893"/>
+                  <a:ext cx="530463" cy="2533296"/>
                 </a:xfrm>
                 <a:prstGeom prst="roundRect">
                   <a:avLst/>
@@ -3690,27 +3686,28 @@
             </p:nvSpPr>
             <p:spPr>
               <a:xfrm rot="2421110">
-                <a:off x="5156714" y="1183915"/>
+                <a:off x="5156714" y="1167454"/>
                 <a:ext cx="254912" cy="1780674"/>
               </a:xfrm>
               <a:prstGeom prst="rect">
                 <a:avLst/>
               </a:prstGeom>
+              <a:solidFill>
+                <a:schemeClr val="accent5"/>
+              </a:solidFill>
               <a:ln>
                 <a:noFill/>
               </a:ln>
             </p:spPr>
             <p:style>
-              <a:lnRef idx="2">
-                <a:schemeClr val="accent1">
-                  <a:shade val="50000"/>
-                </a:schemeClr>
+              <a:lnRef idx="0">
+                <a:scrgbClr r="0" g="0" b="0"/>
               </a:lnRef>
-              <a:fillRef idx="1">
-                <a:schemeClr val="accent1"/>
+              <a:fillRef idx="0">
+                <a:scrgbClr r="0" g="0" b="0"/>
               </a:fillRef>
               <a:effectRef idx="0">
-                <a:schemeClr val="accent1"/>
+                <a:scrgbClr r="0" g="0" b="0"/>
               </a:effectRef>
               <a:fontRef idx="minor">
                 <a:schemeClr val="lt1"/>
@@ -3740,12 +3737,12 @@
           </p:nvSpPr>
           <p:spPr>
             <a:xfrm>
-              <a:off x="2494947" y="4327496"/>
-              <a:ext cx="841064" cy="1245520"/>
+              <a:off x="2494946" y="4327497"/>
+              <a:ext cx="862335" cy="2832890"/>
             </a:xfrm>
             <a:prstGeom prst="roundRect">
               <a:avLst>
-                <a:gd name="adj" fmla="val 8746"/>
+                <a:gd name="adj" fmla="val 0"/>
               </a:avLst>
             </a:prstGeom>
             <a:solidFill>
